--- a/design notes/powerbi_template.pptx
+++ b/design notes/powerbi_template.pptx
@@ -107,7 +107,49 @@
       </a:defRPr>
     </a:lvl9pPr>
   </p:defaultTextStyle>
+  <p:extLst>
+    <p:ext uri="{EFAFB233-063F-42B5-8137-9DF3F51BA10A}">
+      <p15:sldGuideLst xmlns:p15="http://schemas.microsoft.com/office/powerpoint/2012/main"/>
+    </p:ext>
+  </p:extLst>
 </p:presentation>
+</file>
+
+<file path=ppt/changesInfos/changesInfo1.xml><?xml version="1.0" encoding="utf-8"?>
+<pc:chgInfo xmlns:a="http://schemas.openxmlformats.org/drawingml/2006/main" xmlns:r="http://schemas.openxmlformats.org/officeDocument/2006/relationships" xmlns:ac="http://schemas.microsoft.com/office/drawing/2013/main/command" xmlns:pc="http://schemas.microsoft.com/office/powerpoint/2013/main/command">
+  <pc:docChgLst>
+    <pc:chgData name="Zachary Lui" userId="b9d71cba-4e2e-46db-a407-923adbfb2218" providerId="ADAL" clId="{56B2DEB9-0D5F-474A-AF82-0FFCEF11FBBC}"/>
+    <pc:docChg chg="modSld">
+      <pc:chgData name="Zachary Lui" userId="b9d71cba-4e2e-46db-a407-923adbfb2218" providerId="ADAL" clId="{56B2DEB9-0D5F-474A-AF82-0FFCEF11FBBC}" dt="2023-03-14T03:42:06.798" v="43" actId="207"/>
+      <pc:docMkLst>
+        <pc:docMk/>
+      </pc:docMkLst>
+      <pc:sldChg chg="modSp mod">
+        <pc:chgData name="Zachary Lui" userId="b9d71cba-4e2e-46db-a407-923adbfb2218" providerId="ADAL" clId="{56B2DEB9-0D5F-474A-AF82-0FFCEF11FBBC}" dt="2023-03-14T03:42:06.798" v="43" actId="207"/>
+        <pc:sldMkLst>
+          <pc:docMk/>
+          <pc:sldMk cId="1413573492" sldId="256"/>
+        </pc:sldMkLst>
+        <pc:spChg chg="mod">
+          <ac:chgData name="Zachary Lui" userId="b9d71cba-4e2e-46db-a407-923adbfb2218" providerId="ADAL" clId="{56B2DEB9-0D5F-474A-AF82-0FFCEF11FBBC}" dt="2023-03-14T03:42:06.798" v="43" actId="207"/>
+          <ac:spMkLst>
+            <pc:docMk/>
+            <pc:sldMk cId="1413573492" sldId="256"/>
+            <ac:spMk id="4" creationId="{D83A03BF-B7E7-3FAE-776D-10D63436DC69}"/>
+          </ac:spMkLst>
+        </pc:spChg>
+        <pc:spChg chg="mod">
+          <ac:chgData name="Zachary Lui" userId="b9d71cba-4e2e-46db-a407-923adbfb2218" providerId="ADAL" clId="{56B2DEB9-0D5F-474A-AF82-0FFCEF11FBBC}" dt="2023-03-14T03:40:35.811" v="2" actId="1076"/>
+          <ac:spMkLst>
+            <pc:docMk/>
+            <pc:sldMk cId="1413573492" sldId="256"/>
+            <ac:spMk id="5" creationId="{F7903321-188B-1759-D750-1D9DB6530E1E}"/>
+          </ac:spMkLst>
+        </pc:spChg>
+      </pc:sldChg>
+    </pc:docChg>
+  </pc:docChgLst>
+</pc:chgInfo>
 </file>
 
 <file path=ppt/notesMasters/notesMaster1.xml><?xml version="1.0" encoding="utf-8"?>
@@ -192,7 +234,7 @@
           <a:p>
             <a:fld id="{27126A73-37CC-424C-8A9C-96C74833F9C5}" type="datetimeFigureOut">
               <a:rPr lang="en-US" smtClean="0"/>
-              <a:t>3/13/23</a:t>
+              <a:t>3/14/2023</a:t>
             </a:fld>
             <a:endParaRPr lang="en-US"/>
           </a:p>
@@ -590,7 +632,7 @@
           <a:p>
             <a:fld id="{49C7346C-A62A-0849-910F-6F957BDAD223}" type="datetimeFigureOut">
               <a:rPr lang="en-US" smtClean="0"/>
-              <a:t>3/13/23</a:t>
+              <a:t>3/14/2023</a:t>
             </a:fld>
             <a:endParaRPr lang="en-US"/>
           </a:p>
@@ -760,7 +802,7 @@
           <a:p>
             <a:fld id="{49C7346C-A62A-0849-910F-6F957BDAD223}" type="datetimeFigureOut">
               <a:rPr lang="en-US" smtClean="0"/>
-              <a:t>3/13/23</a:t>
+              <a:t>3/14/2023</a:t>
             </a:fld>
             <a:endParaRPr lang="en-US"/>
           </a:p>
@@ -940,7 +982,7 @@
           <a:p>
             <a:fld id="{49C7346C-A62A-0849-910F-6F957BDAD223}" type="datetimeFigureOut">
               <a:rPr lang="en-US" smtClean="0"/>
-              <a:t>3/13/23</a:t>
+              <a:t>3/14/2023</a:t>
             </a:fld>
             <a:endParaRPr lang="en-US"/>
           </a:p>
@@ -1110,7 +1152,7 @@
           <a:p>
             <a:fld id="{49C7346C-A62A-0849-910F-6F957BDAD223}" type="datetimeFigureOut">
               <a:rPr lang="en-US" smtClean="0"/>
-              <a:t>3/13/23</a:t>
+              <a:t>3/14/2023</a:t>
             </a:fld>
             <a:endParaRPr lang="en-US"/>
           </a:p>
@@ -1356,7 +1398,7 @@
           <a:p>
             <a:fld id="{49C7346C-A62A-0849-910F-6F957BDAD223}" type="datetimeFigureOut">
               <a:rPr lang="en-US" smtClean="0"/>
-              <a:t>3/13/23</a:t>
+              <a:t>3/14/2023</a:t>
             </a:fld>
             <a:endParaRPr lang="en-US"/>
           </a:p>
@@ -1588,7 +1630,7 @@
           <a:p>
             <a:fld id="{49C7346C-A62A-0849-910F-6F957BDAD223}" type="datetimeFigureOut">
               <a:rPr lang="en-US" smtClean="0"/>
-              <a:t>3/13/23</a:t>
+              <a:t>3/14/2023</a:t>
             </a:fld>
             <a:endParaRPr lang="en-US"/>
           </a:p>
@@ -1955,7 +1997,7 @@
           <a:p>
             <a:fld id="{49C7346C-A62A-0849-910F-6F957BDAD223}" type="datetimeFigureOut">
               <a:rPr lang="en-US" smtClean="0"/>
-              <a:t>3/13/23</a:t>
+              <a:t>3/14/2023</a:t>
             </a:fld>
             <a:endParaRPr lang="en-US"/>
           </a:p>
@@ -2073,7 +2115,7 @@
           <a:p>
             <a:fld id="{49C7346C-A62A-0849-910F-6F957BDAD223}" type="datetimeFigureOut">
               <a:rPr lang="en-US" smtClean="0"/>
-              <a:t>3/13/23</a:t>
+              <a:t>3/14/2023</a:t>
             </a:fld>
             <a:endParaRPr lang="en-US"/>
           </a:p>
@@ -2168,7 +2210,7 @@
           <a:p>
             <a:fld id="{49C7346C-A62A-0849-910F-6F957BDAD223}" type="datetimeFigureOut">
               <a:rPr lang="en-US" smtClean="0"/>
-              <a:t>3/13/23</a:t>
+              <a:t>3/14/2023</a:t>
             </a:fld>
             <a:endParaRPr lang="en-US"/>
           </a:p>
@@ -2445,7 +2487,7 @@
           <a:p>
             <a:fld id="{49C7346C-A62A-0849-910F-6F957BDAD223}" type="datetimeFigureOut">
               <a:rPr lang="en-US" smtClean="0"/>
-              <a:t>3/13/23</a:t>
+              <a:t>3/14/2023</a:t>
             </a:fld>
             <a:endParaRPr lang="en-US"/>
           </a:p>
@@ -2702,7 +2744,7 @@
           <a:p>
             <a:fld id="{49C7346C-A62A-0849-910F-6F957BDAD223}" type="datetimeFigureOut">
               <a:rPr lang="en-US" smtClean="0"/>
-              <a:t>3/13/23</a:t>
+              <a:t>3/14/2023</a:t>
             </a:fld>
             <a:endParaRPr lang="en-US"/>
           </a:p>
@@ -2915,7 +2957,7 @@
           <a:p>
             <a:fld id="{49C7346C-A62A-0849-910F-6F957BDAD223}" type="datetimeFigureOut">
               <a:rPr lang="en-US" smtClean="0"/>
-              <a:t>3/13/23</a:t>
+              <a:t>3/14/2023</a:t>
             </a:fld>
             <a:endParaRPr lang="en-US"/>
           </a:p>
@@ -3334,7 +3376,7 @@
         </p:nvSpPr>
         <p:spPr>
           <a:xfrm>
-            <a:off x="-490193" y="0"/>
+            <a:off x="-490194" y="60722"/>
             <a:ext cx="9634194" cy="5143500"/>
           </a:xfrm>
           <a:prstGeom prst="rect">
@@ -3389,7 +3431,7 @@
         <p:spPr>
           <a:xfrm>
             <a:off x="707011" y="0"/>
-            <a:ext cx="8436990" cy="841772"/>
+            <a:ext cx="8436990" cy="631231"/>
           </a:xfrm>
           <a:prstGeom prst="rect">
             <a:avLst/>
@@ -3490,38 +3532,15 @@
         </p:nvSpPr>
         <p:spPr>
           <a:xfrm>
-            <a:off x="-490194" y="0"/>
-            <a:ext cx="1366887" cy="5665509"/>
+            <a:off x="-490193" y="-77492"/>
+            <a:ext cx="1366887" cy="5743001"/>
           </a:xfrm>
           <a:prstGeom prst="rect">
             <a:avLst/>
           </a:prstGeom>
-          <a:gradFill flip="none" rotWithShape="1">
-            <a:gsLst>
-              <a:gs pos="0">
-                <a:schemeClr val="accent1">
-                  <a:lumMod val="89000"/>
-                </a:schemeClr>
-              </a:gs>
-              <a:gs pos="23000">
-                <a:schemeClr val="accent1">
-                  <a:lumMod val="89000"/>
-                </a:schemeClr>
-              </a:gs>
-              <a:gs pos="69000">
-                <a:schemeClr val="accent1">
-                  <a:lumMod val="75000"/>
-                </a:schemeClr>
-              </a:gs>
-              <a:gs pos="97000">
-                <a:schemeClr val="accent1">
-                  <a:lumMod val="70000"/>
-                </a:schemeClr>
-              </a:gs>
-            </a:gsLst>
-            <a:lin ang="10800000" scaled="1"/>
-            <a:tileRect/>
-          </a:gradFill>
+          <a:solidFill>
+            <a:srgbClr val="004079"/>
+          </a:solidFill>
           <a:ln>
             <a:noFill/>
           </a:ln>
